--- a/myCV2019/presentation.pptx
+++ b/myCV2019/presentation.pptx
@@ -4291,7 +4291,7 @@
         <p:spPr>
           <a:xfrm>
             <a:off x="381000" y="3886200"/>
-            <a:ext cx="8686800" cy="2585323"/>
+            <a:ext cx="8686800" cy="2800767"/>
           </a:xfrm>
           <a:prstGeom prst="rect">
             <a:avLst/>
@@ -4409,7 +4409,7 @@
             </a:r>
             <a:r>
               <a:rPr lang="en-US" sz="1400" dirty="0" smtClean="0"/>
-              <a:t>P610, No3T5 building, </a:t>
+              <a:t>P610, No3T5 building, Diplomatic Delegation, </a:t>
             </a:r>
             <a:r>
               <a:rPr lang="en-US" sz="1400" dirty="0" err="1" smtClean="0"/>
@@ -10565,7 +10565,7 @@
         </p:nvGrpSpPr>
         <p:grpSpPr bwMode="auto">
           <a:xfrm rot="3877067">
-            <a:off x="533443" y="3997549"/>
+            <a:off x="497166" y="3977597"/>
             <a:ext cx="1915828" cy="793974"/>
             <a:chOff x="2290" y="2725"/>
             <a:chExt cx="1832" cy="713"/>
@@ -12212,7 +12212,7 @@
         </p:nvSpPr>
         <p:spPr bwMode="gray">
           <a:xfrm rot="3887508">
-            <a:off x="550658" y="4289438"/>
+            <a:off x="544166" y="4179354"/>
             <a:ext cx="1424155" cy="426798"/>
           </a:xfrm>
           <a:prstGeom prst="rect">
@@ -12353,8 +12353,8 @@
         </p:nvSpPr>
         <p:spPr bwMode="gray">
           <a:xfrm rot="3853109">
-            <a:off x="2100362" y="4310405"/>
-            <a:ext cx="1633549" cy="426798"/>
+            <a:off x="2029542" y="4568758"/>
+            <a:ext cx="1979458" cy="461665"/>
           </a:xfrm>
           <a:prstGeom prst="rect">
             <a:avLst/>
@@ -12394,15 +12394,19 @@
           </a:extLst>
         </p:spPr>
         <p:txBody>
-          <a:bodyPr wrap="none">
+          <a:bodyPr wrap="square">
             <a:spAutoFit/>
           </a:bodyPr>
           <a:lstStyle/>
           <a:p>
             <a:pPr eaLnBrk="0" hangingPunct="0"/>
             <a:r>
+              <a:rPr lang="en-US" sz="1200" b="1" i="1" dirty="0" smtClean="0"/>
+              <a:t> </a:t>
+            </a:r>
+            <a:r>
               <a:rPr lang="en-US" sz="1200" b="1" i="1" dirty="0"/>
-              <a:t>Software Lead </a:t>
+              <a:t>Lead </a:t>
             </a:r>
             <a:r>
               <a:rPr lang="en-US" sz="1200" b="1" i="1" dirty="0" smtClean="0"/>
@@ -12433,7 +12437,7 @@
         </p:nvSpPr>
         <p:spPr bwMode="gray">
           <a:xfrm rot="3925970">
-            <a:off x="2666364" y="3947906"/>
+            <a:off x="2772848" y="4010495"/>
             <a:ext cx="959434" cy="284532"/>
           </a:xfrm>
           <a:prstGeom prst="rect">
@@ -12693,7 +12697,7 @@
         </p:nvSpPr>
         <p:spPr bwMode="gray">
           <a:xfrm rot="3925970">
-            <a:off x="6056543" y="4056692"/>
+            <a:off x="6216954" y="4056692"/>
             <a:ext cx="1138453" cy="307777"/>
           </a:xfrm>
           <a:prstGeom prst="rect">
@@ -12742,11 +12746,7 @@
             <a:pPr eaLnBrk="0" hangingPunct="0"/>
             <a:r>
               <a:rPr lang="en-US" sz="1400" b="1" dirty="0" smtClean="0"/>
-              <a:t>2016 - </a:t>
-            </a:r>
-            <a:r>
-              <a:rPr lang="en-US" sz="1400" b="1" dirty="0" smtClean="0"/>
-              <a:t>2017</a:t>
+              <a:t>2016 - 2017</a:t>
             </a:r>
             <a:endParaRPr lang="en-US" sz="1400" b="1" dirty="0"/>
           </a:p>
@@ -12995,10 +12995,10 @@
         </p:nvGrpSpPr>
         <p:grpSpPr bwMode="auto">
           <a:xfrm rot="3877067">
-            <a:off x="7484299" y="4055299"/>
-            <a:ext cx="1915828" cy="793974"/>
-            <a:chOff x="2290" y="2725"/>
-            <a:chExt cx="1832" cy="713"/>
+            <a:off x="7403997" y="4042832"/>
+            <a:ext cx="2003672" cy="753886"/>
+            <a:chOff x="2205" y="2760"/>
+            <a:chExt cx="1916" cy="677"/>
           </a:xfrm>
         </p:grpSpPr>
         <p:grpSp>
@@ -13011,9 +13011,9 @@
           </p:nvGrpSpPr>
           <p:grpSpPr bwMode="auto">
             <a:xfrm>
-              <a:off x="2290" y="3030"/>
+              <a:off x="2289" y="3029"/>
               <a:ext cx="1832" cy="408"/>
-              <a:chOff x="2290" y="3030"/>
+              <a:chOff x="2289" y="3029"/>
               <a:chExt cx="1832" cy="408"/>
             </a:xfrm>
           </p:grpSpPr>
@@ -13027,7 +13027,7 @@
             </p:nvSpPr>
             <p:spPr bwMode="gray">
               <a:xfrm>
-                <a:off x="2290" y="3030"/>
+                <a:off x="2289" y="3029"/>
                 <a:ext cx="1832" cy="408"/>
               </a:xfrm>
               <a:custGeom>
@@ -13500,10 +13500,10 @@
           </p:nvGrpSpPr>
           <p:grpSpPr bwMode="auto">
             <a:xfrm flipV="1">
-              <a:off x="2290" y="2725"/>
-              <a:ext cx="1406" cy="313"/>
-              <a:chOff x="2290" y="3030"/>
-              <a:chExt cx="1832" cy="408"/>
+              <a:off x="2205" y="2760"/>
+              <a:ext cx="1474" cy="313"/>
+              <a:chOff x="2178" y="2984"/>
+              <a:chExt cx="1920" cy="408"/>
             </a:xfrm>
           </p:grpSpPr>
           <p:sp>
@@ -13516,7 +13516,7 @@
             </p:nvSpPr>
             <p:spPr bwMode="gray">
               <a:xfrm>
-                <a:off x="2290" y="3030"/>
+                <a:off x="2178" y="2984"/>
                 <a:ext cx="1832" cy="408"/>
               </a:xfrm>
               <a:custGeom>
@@ -14477,8 +14477,8 @@
         </p:nvSpPr>
         <p:spPr bwMode="gray">
           <a:xfrm rot="3852713">
-            <a:off x="7597058" y="4371987"/>
-            <a:ext cx="1221515" cy="256079"/>
+            <a:off x="7644649" y="4361527"/>
+            <a:ext cx="1126334" cy="276999"/>
           </a:xfrm>
           <a:prstGeom prst="rect">
             <a:avLst/>
@@ -14526,7 +14526,7 @@
             <a:pPr eaLnBrk="0" hangingPunct="0"/>
             <a:r>
               <a:rPr lang="en-US" sz="1200" b="1" i="1" dirty="0" smtClean="0"/>
-              <a:t>Senior Developer</a:t>
+              <a:t>Team Leader</a:t>
             </a:r>
             <a:endParaRPr lang="en-US" sz="1200" b="1" i="1" dirty="0"/>
           </a:p>
@@ -14542,7 +14542,7 @@
         </p:nvSpPr>
         <p:spPr bwMode="gray">
           <a:xfrm rot="3925970">
-            <a:off x="7845182" y="4058251"/>
+            <a:off x="7983171" y="4058251"/>
             <a:ext cx="1119217" cy="307777"/>
           </a:xfrm>
           <a:prstGeom prst="rect">
@@ -14591,11 +14591,7 @@
             <a:pPr eaLnBrk="0" hangingPunct="0"/>
             <a:r>
               <a:rPr lang="en-US" sz="1400" b="1" dirty="0" smtClean="0"/>
-              <a:t>2017 </a:t>
-            </a:r>
-            <a:r>
-              <a:rPr lang="en-US" sz="1400" b="1" dirty="0" smtClean="0"/>
-              <a:t>- Now</a:t>
+              <a:t>2017 - Now</a:t>
             </a:r>
             <a:endParaRPr lang="en-US" sz="1400" b="1" dirty="0"/>
           </a:p>
@@ -15066,16 +15062,7 @@
                   </a:solidFill>
                   <a:latin typeface="Verdana" pitchFamily="34" charset="0"/>
                 </a:rPr>
-                <a:t>N</a:t>
-              </a:r>
-              <a:r>
-                <a:rPr lang="en-US" sz="2000" b="1" dirty="0" smtClean="0">
-                  <a:solidFill>
-                    <a:schemeClr val="tx2"/>
-                  </a:solidFill>
-                  <a:latin typeface="Verdana" pitchFamily="34" charset="0"/>
-                </a:rPr>
-                <a:t>ow</a:t>
+                <a:t>Now</a:t>
               </a:r>
               <a:endParaRPr lang="en-US" sz="2000" b="1" dirty="0">
                 <a:solidFill>
@@ -15309,14 +15296,14 @@
               <a:buChar char="•"/>
             </a:pPr>
             <a:r>
-              <a:rPr lang="en-US" sz="1000" b="1" dirty="0" smtClean="0"/>
+              <a:rPr lang="en-US" sz="1000" dirty="0" smtClean="0"/>
               <a:t>Development </a:t>
             </a:r>
             <a:r>
-              <a:rPr lang="en-US" sz="1000" b="1" dirty="0"/>
+              <a:rPr lang="en-US" sz="1000" dirty="0"/>
               <a:t>firmware for Embedded System by C, C++ programming language. </a:t>
             </a:r>
-            <a:endParaRPr lang="en-US" sz="1000" b="1" dirty="0" smtClean="0"/>
+            <a:endParaRPr lang="en-US" sz="1000" dirty="0" smtClean="0"/>
           </a:p>
           <a:p>
             <a:pPr marL="171450" indent="-171450" eaLnBrk="0" hangingPunct="0">
@@ -15324,14 +15311,14 @@
               <a:buChar char="•"/>
             </a:pPr>
             <a:r>
-              <a:rPr lang="en-US" sz="1000" b="1" dirty="0" smtClean="0"/>
+              <a:rPr lang="en-US" sz="1000" dirty="0" smtClean="0"/>
               <a:t>Write </a:t>
             </a:r>
             <a:r>
-              <a:rPr lang="en-US" sz="1000" b="1" dirty="0"/>
+              <a:rPr lang="en-US" sz="1000" dirty="0"/>
               <a:t>design documents, user manual </a:t>
             </a:r>
-            <a:endParaRPr lang="en-US" sz="1000" b="1" dirty="0" smtClean="0"/>
+            <a:endParaRPr lang="en-US" sz="1000" dirty="0" smtClean="0"/>
           </a:p>
           <a:p>
             <a:pPr marL="171450" indent="-171450" eaLnBrk="0" hangingPunct="0">
@@ -15339,14 +15326,14 @@
               <a:buChar char="•"/>
             </a:pPr>
             <a:r>
-              <a:rPr lang="en-US" sz="1000" b="1" dirty="0" smtClean="0"/>
+              <a:rPr lang="en-US" sz="1000" dirty="0" smtClean="0"/>
               <a:t>Testing </a:t>
             </a:r>
             <a:r>
-              <a:rPr lang="en-US" sz="1000" b="1" dirty="0"/>
+              <a:rPr lang="en-US" sz="1000" dirty="0"/>
               <a:t>&amp; Debug the design. </a:t>
             </a:r>
-            <a:endParaRPr lang="en-US" sz="1000" b="1" dirty="0" smtClean="0"/>
+            <a:endParaRPr lang="en-US" sz="1000" dirty="0" smtClean="0"/>
           </a:p>
           <a:p>
             <a:pPr marL="171450" indent="-171450" eaLnBrk="0" hangingPunct="0">
@@ -15354,15 +15341,15 @@
               <a:buChar char="•"/>
             </a:pPr>
             <a:r>
-              <a:rPr lang="en-US" sz="1000" b="1" dirty="0" smtClean="0"/>
+              <a:rPr lang="en-US" sz="1000" dirty="0" smtClean="0"/>
               <a:t>Assign </a:t>
             </a:r>
             <a:r>
-              <a:rPr lang="en-US" sz="1000" b="1" dirty="0"/>
+              <a:rPr lang="en-US" sz="1000" dirty="0"/>
               <a:t>task for other members of team - Making Report to Manager</a:t>
             </a:r>
             <a:br>
-              <a:rPr lang="en-US" sz="1000" b="1" dirty="0"/>
+              <a:rPr lang="en-US" sz="1000" dirty="0"/>
             </a:br>
             <a:endParaRPr lang="en-US" sz="1000" dirty="0">
               <a:solidFill>
@@ -15439,22 +15426,22 @@
               <a:buChar char="•"/>
             </a:pPr>
             <a:r>
-              <a:rPr lang="en-US" sz="1000" b="1" dirty="0" smtClean="0"/>
+              <a:rPr lang="en-US" sz="1000" dirty="0" smtClean="0"/>
               <a:t>Development </a:t>
             </a:r>
             <a:r>
-              <a:rPr lang="en-US" sz="1000" b="1" dirty="0"/>
+              <a:rPr lang="en-US" sz="1000" dirty="0"/>
               <a:t>Firmware for Toys ROBOT on PIC microcontroller </a:t>
             </a:r>
             <a:r>
-              <a:rPr lang="en-US" sz="1000" b="1" dirty="0" smtClean="0"/>
+              <a:rPr lang="en-US" sz="1000" dirty="0" smtClean="0"/>
               <a:t>by C</a:t>
             </a:r>
             <a:r>
-              <a:rPr lang="en-US" sz="1000" b="1" dirty="0"/>
+              <a:rPr lang="en-US" sz="1000" dirty="0"/>
               <a:t>. </a:t>
             </a:r>
-            <a:endParaRPr lang="en-US" sz="1000" b="1" dirty="0" smtClean="0"/>
+            <a:endParaRPr lang="en-US" sz="1000" dirty="0" smtClean="0"/>
           </a:p>
           <a:p>
             <a:pPr marL="171450" indent="-171450" eaLnBrk="0" hangingPunct="0">
@@ -15462,12 +15449,16 @@
               <a:buChar char="•"/>
             </a:pPr>
             <a:r>
-              <a:rPr lang="en-US" sz="1000" b="1" dirty="0" smtClean="0"/>
+              <a:rPr lang="en-US" sz="1000" dirty="0" smtClean="0"/>
               <a:t>Design </a:t>
             </a:r>
             <a:r>
+              <a:rPr lang="en-US" sz="1000" dirty="0"/>
+              <a:t>Driver of Step Motor, DC Motor for Industrial ROBOT, Production Lines…</a:t>
+            </a:r>
+            <a:r>
               <a:rPr lang="en-US" sz="1000" b="1" dirty="0"/>
-              <a:t>Driver of Step Motor, DC Motor for Industrial ROBOT, Production Lines…</a:t>
+              <a:t/>
             </a:r>
             <a:br>
               <a:rPr lang="en-US" sz="1000" b="1" dirty="0"/>
@@ -15715,11 +15706,15 @@
               <a:t>Main tasks: </a:t>
             </a:r>
             <a:r>
-              <a:rPr lang="en-US" sz="1000" b="1" i="1" dirty="0"/>
-              <a:t>(development software for embedded system in Automotive</a:t>
+              <a:rPr lang="en-US" sz="1000" i="1" dirty="0" smtClean="0"/>
+              <a:t>(</a:t>
             </a:r>
             <a:r>
-              <a:rPr lang="en-US" sz="1000" b="1" i="1" dirty="0" smtClean="0"/>
+              <a:rPr lang="en-US" sz="1000" i="1" dirty="0"/>
+              <a:t>development software for embedded system in Automotive</a:t>
+            </a:r>
+            <a:r>
+              <a:rPr lang="en-US" sz="1000" i="1" dirty="0" smtClean="0"/>
               <a:t>).</a:t>
             </a:r>
           </a:p>
@@ -19568,35 +19563,38 @@
               <a:rPr lang="en-US" sz="1000" b="1" i="1" u="sng" dirty="0"/>
               <a:t>Main tasks: </a:t>
             </a:r>
+            <a:endParaRPr lang="en-US" sz="1000" b="1" i="1" u="sng" dirty="0" smtClean="0"/>
+          </a:p>
+          <a:p>
+            <a:pPr eaLnBrk="0" hangingPunct="0"/>
             <a:r>
-              <a:rPr lang="en-US" sz="1000" b="1" i="1" dirty="0"/>
-              <a:t>(development </a:t>
+              <a:rPr lang="en-US" sz="1000" i="1" smtClean="0"/>
+              <a:t>(</a:t>
             </a:r>
             <a:r>
-              <a:rPr lang="en-US" sz="1000" b="1" i="1" dirty="0" smtClean="0"/>
-              <a:t>firmware</a:t>
+              <a:rPr lang="en-US" sz="1000" i="1" dirty="0"/>
+              <a:t>development </a:t>
             </a:r>
             <a:r>
-              <a:rPr lang="en-US" sz="1000" b="1" i="1" dirty="0" smtClean="0"/>
-              <a:t> </a:t>
+              <a:rPr lang="en-US" sz="1000" i="1" dirty="0" smtClean="0"/>
+              <a:t>firmware </a:t>
             </a:r>
             <a:r>
-              <a:rPr lang="en-US" sz="1000" b="1" i="1" dirty="0"/>
+              <a:rPr lang="en-US" sz="1000" i="1" dirty="0"/>
               <a:t>for embedded system </a:t>
             </a:r>
             <a:r>
-              <a:rPr lang="en-US" sz="1000" b="1" i="1" dirty="0" smtClean="0"/>
+              <a:rPr lang="en-US" sz="1000" i="1" dirty="0" smtClean="0"/>
               <a:t>of </a:t>
             </a:r>
             <a:r>
-              <a:rPr lang="en-US" sz="1000" b="1" i="1" dirty="0" err="1" smtClean="0"/>
+              <a:rPr lang="en-US" sz="1000" i="1" dirty="0" err="1" smtClean="0"/>
               <a:t>smarthome</a:t>
             </a:r>
             <a:r>
-              <a:rPr lang="en-US" sz="1000" b="1" i="1" dirty="0" smtClean="0"/>
+              <a:rPr lang="en-US" sz="1000" i="1" dirty="0" smtClean="0"/>
               <a:t>  project).</a:t>
             </a:r>
-            <a:endParaRPr lang="en-US" sz="1000" b="1" i="1" dirty="0" smtClean="0"/>
           </a:p>
           <a:p>
             <a:pPr marL="171450" indent="-171450" eaLnBrk="0" hangingPunct="0">
@@ -19605,19 +19603,7 @@
             </a:pPr>
             <a:r>
               <a:rPr lang="en-US" sz="1000" dirty="0" smtClean="0"/>
-              <a:t>Development </a:t>
-            </a:r>
-            <a:r>
-              <a:rPr lang="en-US" sz="1000" dirty="0" smtClean="0"/>
-              <a:t>firmware for </a:t>
-            </a:r>
-            <a:r>
-              <a:rPr lang="en-US" sz="1000" dirty="0" smtClean="0"/>
-              <a:t>MCU by</a:t>
-            </a:r>
-            <a:r>
-              <a:rPr lang="en-US" sz="1000" dirty="0" smtClean="0"/>
-              <a:t> C++ on the QT Creator</a:t>
+              <a:t>Development firmware for MCU by C++ on the QT Creator</a:t>
             </a:r>
             <a:r>
               <a:rPr lang="en-US" sz="1100" dirty="0" smtClean="0"/>
@@ -26392,7 +26378,7 @@
           <p:spPr>
             <a:xfrm>
               <a:off x="3144838" y="2548086"/>
-              <a:ext cx="2017712" cy="2369880"/>
+              <a:ext cx="2017712" cy="2800767"/>
             </a:xfrm>
             <a:prstGeom prst="rect">
               <a:avLst/>
@@ -26409,8 +26395,22 @@
                 <a:buChar char="v"/>
               </a:pPr>
               <a:r>
+                <a:rPr lang="en-US" sz="1400" dirty="0" smtClean="0"/>
+                <a:t>Drink Vending Machine</a:t>
+              </a:r>
+            </a:p>
+            <a:p>
+              <a:pPr marL="171450" indent="-171450">
+                <a:buFont typeface="Wingdings" pitchFamily="2" charset="2"/>
+                <a:buChar char="v"/>
+              </a:pPr>
+              <a:r>
+                <a:rPr lang="en-US" sz="1400" dirty="0" smtClean="0"/>
+                <a:t>Developing </a:t>
+              </a:r>
+              <a:r>
                 <a:rPr lang="en-US" sz="1400" dirty="0"/>
-                <a:t>Developing software for Toy </a:t>
+                <a:t>software for Toy </a:t>
               </a:r>
               <a:r>
                 <a:rPr lang="en-US" sz="1400" dirty="0" smtClean="0"/>
